--- a/ITI/TF/Volume1/media/Figure_3.3-1.pptx
+++ b/ITI/TF/Volume1/media/Figure_3.3-1.pptx
@@ -104,6 +104,11 @@
       </a:defRPr>
     </a:lvl9pPr>
   </p:defaultTextStyle>
+  <p:extLst>
+    <p:ext uri="{EFAFB233-063F-42B5-8137-9DF3F51BA10A}">
+      <p15:sldGuideLst xmlns:p15="http://schemas.microsoft.com/office/powerpoint/2012/main"/>
+    </p:ext>
+  </p:extLst>
 </p:presentation>
 </file>
 
@@ -254,7 +259,7 @@
           <a:p>
             <a:fld id="{0642CEB2-F1A9-3544-A8C0-0606954D3931}" type="datetimeFigureOut">
               <a:rPr lang="en-US" smtClean="0"/>
-              <a:t>8/10/20</a:t>
+              <a:t>8/26/20</a:t>
             </a:fld>
             <a:endParaRPr lang="en-US"/>
           </a:p>
@@ -452,7 +457,7 @@
           <a:p>
             <a:fld id="{0642CEB2-F1A9-3544-A8C0-0606954D3931}" type="datetimeFigureOut">
               <a:rPr lang="en-US" smtClean="0"/>
-              <a:t>8/10/20</a:t>
+              <a:t>8/26/20</a:t>
             </a:fld>
             <a:endParaRPr lang="en-US"/>
           </a:p>
@@ -660,7 +665,7 @@
           <a:p>
             <a:fld id="{0642CEB2-F1A9-3544-A8C0-0606954D3931}" type="datetimeFigureOut">
               <a:rPr lang="en-US" smtClean="0"/>
-              <a:t>8/10/20</a:t>
+              <a:t>8/26/20</a:t>
             </a:fld>
             <a:endParaRPr lang="en-US"/>
           </a:p>
@@ -858,7 +863,7 @@
           <a:p>
             <a:fld id="{0642CEB2-F1A9-3544-A8C0-0606954D3931}" type="datetimeFigureOut">
               <a:rPr lang="en-US" smtClean="0"/>
-              <a:t>8/10/20</a:t>
+              <a:t>8/26/20</a:t>
             </a:fld>
             <a:endParaRPr lang="en-US"/>
           </a:p>
@@ -1133,7 +1138,7 @@
           <a:p>
             <a:fld id="{0642CEB2-F1A9-3544-A8C0-0606954D3931}" type="datetimeFigureOut">
               <a:rPr lang="en-US" smtClean="0"/>
-              <a:t>8/10/20</a:t>
+              <a:t>8/26/20</a:t>
             </a:fld>
             <a:endParaRPr lang="en-US"/>
           </a:p>
@@ -1398,7 +1403,7 @@
           <a:p>
             <a:fld id="{0642CEB2-F1A9-3544-A8C0-0606954D3931}" type="datetimeFigureOut">
               <a:rPr lang="en-US" smtClean="0"/>
-              <a:t>8/10/20</a:t>
+              <a:t>8/26/20</a:t>
             </a:fld>
             <a:endParaRPr lang="en-US"/>
           </a:p>
@@ -1810,7 +1815,7 @@
           <a:p>
             <a:fld id="{0642CEB2-F1A9-3544-A8C0-0606954D3931}" type="datetimeFigureOut">
               <a:rPr lang="en-US" smtClean="0"/>
-              <a:t>8/10/20</a:t>
+              <a:t>8/26/20</a:t>
             </a:fld>
             <a:endParaRPr lang="en-US"/>
           </a:p>
@@ -1951,7 +1956,7 @@
           <a:p>
             <a:fld id="{0642CEB2-F1A9-3544-A8C0-0606954D3931}" type="datetimeFigureOut">
               <a:rPr lang="en-US" smtClean="0"/>
-              <a:t>8/10/20</a:t>
+              <a:t>8/26/20</a:t>
             </a:fld>
             <a:endParaRPr lang="en-US"/>
           </a:p>
@@ -2064,7 +2069,7 @@
           <a:p>
             <a:fld id="{0642CEB2-F1A9-3544-A8C0-0606954D3931}" type="datetimeFigureOut">
               <a:rPr lang="en-US" smtClean="0"/>
-              <a:t>8/10/20</a:t>
+              <a:t>8/26/20</a:t>
             </a:fld>
             <a:endParaRPr lang="en-US"/>
           </a:p>
@@ -2375,7 +2380,7 @@
           <a:p>
             <a:fld id="{0642CEB2-F1A9-3544-A8C0-0606954D3931}" type="datetimeFigureOut">
               <a:rPr lang="en-US" smtClean="0"/>
-              <a:t>8/10/20</a:t>
+              <a:t>8/26/20</a:t>
             </a:fld>
             <a:endParaRPr lang="en-US"/>
           </a:p>
@@ -2663,7 +2668,7 @@
           <a:p>
             <a:fld id="{0642CEB2-F1A9-3544-A8C0-0606954D3931}" type="datetimeFigureOut">
               <a:rPr lang="en-US" smtClean="0"/>
-              <a:t>8/10/20</a:t>
+              <a:t>8/26/20</a:t>
             </a:fld>
             <a:endParaRPr lang="en-US"/>
           </a:p>
@@ -2904,7 +2909,7 @@
           <a:p>
             <a:fld id="{0642CEB2-F1A9-3544-A8C0-0606954D3931}" type="datetimeFigureOut">
               <a:rPr lang="en-US" smtClean="0"/>
-              <a:t>8/10/20</a:t>
+              <a:t>8/26/20</a:t>
             </a:fld>
             <a:endParaRPr lang="en-US"/>
           </a:p>
@@ -3337,7 +3342,7 @@
         </p:nvSpPr>
         <p:spPr bwMode="auto">
           <a:xfrm>
-            <a:off x="779463" y="466725"/>
+            <a:off x="779463" y="411305"/>
             <a:ext cx="954087" cy="320675"/>
           </a:xfrm>
           <a:prstGeom prst="rect">
@@ -3386,7 +3391,7 @@
               <a:buNone/>
               <a:tabLst/>
             </a:pPr>
-            <a:endParaRPr kumimoji="0" lang="fr-FR" altLang="en-US" sz="1000" b="0" i="0" u="none" strike="noStrike" cap="none" normalizeH="0" baseline="0">
+            <a:endParaRPr kumimoji="0" lang="fr-FR" altLang="en-US" sz="1000" b="0" i="0" u="none" strike="noStrike" cap="none" normalizeH="0" baseline="0" dirty="0">
               <a:ln>
                 <a:noFill/>
               </a:ln>
@@ -3416,7 +3421,7 @@
               <a:tabLst/>
             </a:pPr>
             <a:r>
-              <a:rPr kumimoji="0" lang="fr-FR" altLang="en-US" sz="1000" b="0" i="0" u="none" strike="noStrike" cap="none" normalizeH="0" baseline="0">
+              <a:rPr kumimoji="0" lang="fr-FR" altLang="en-US" sz="1000" b="0" i="0" u="none" strike="noStrike" cap="none" normalizeH="0" baseline="0" dirty="0">
                 <a:ln>
                   <a:noFill/>
                 </a:ln>
@@ -3429,7 +3434,7 @@
               </a:rPr>
               <a:t>Information Source </a:t>
             </a:r>
-            <a:endParaRPr kumimoji="0" lang="fr-FR" altLang="en-US" sz="1800" b="0" i="0" u="none" strike="noStrike" cap="none" normalizeH="0" baseline="0">
+            <a:endParaRPr kumimoji="0" lang="fr-FR" altLang="en-US" sz="1800" b="0" i="0" u="none" strike="noStrike" cap="none" normalizeH="0" baseline="0" dirty="0">
               <a:ln>
                 <a:noFill/>
               </a:ln>
@@ -3683,7 +3688,7 @@
         </p:nvSpPr>
         <p:spPr bwMode="auto">
           <a:xfrm>
-            <a:off x="3724275" y="1003300"/>
+            <a:off x="3765840" y="1003300"/>
             <a:ext cx="788988" cy="438150"/>
           </a:xfrm>
           <a:prstGeom prst="rect">
@@ -3733,7 +3738,7 @@
               <a:tabLst/>
             </a:pPr>
             <a:r>
-              <a:rPr kumimoji="0" lang="en-US" altLang="en-US" sz="1000" b="0" i="1" u="none" strike="noStrike" cap="none" normalizeH="0" baseline="0">
+              <a:rPr kumimoji="0" lang="en-US" altLang="en-US" sz="1000" b="0" i="1" u="none" strike="noStrike" cap="none" normalizeH="0" baseline="0" dirty="0">
                 <a:ln>
                   <a:noFill/>
                 </a:ln>
@@ -3741,13 +3746,14 @@
                   <a:schemeClr val="tx1"/>
                 </a:solidFill>
                 <a:effectLst/>
-                <a:latin typeface="Arial" panose="020B0604020202020204" pitchFamily="34" charset="0"/>
+                <a:latin typeface="Times New Roman" panose="02020603050405020304" pitchFamily="18" charset="0"/>
                 <a:ea typeface="Times New Roman" panose="02020603050405020304" pitchFamily="18" charset="0"/>
+                <a:cs typeface="Times New Roman" panose="02020603050405020304" pitchFamily="18" charset="0"/>
               </a:rPr>
               <a:t>Request for</a:t>
             </a:r>
             <a:br>
-              <a:rPr kumimoji="0" lang="en-US" altLang="en-US" sz="1000" b="0" i="1" u="none" strike="noStrike" cap="none" normalizeH="0" baseline="0">
+              <a:rPr kumimoji="0" lang="en-US" altLang="en-US" sz="1000" b="0" i="1" u="none" strike="noStrike" cap="none" normalizeH="0" baseline="0" dirty="0">
                 <a:ln>
                   <a:noFill/>
                 </a:ln>
@@ -3755,12 +3761,13 @@
                   <a:schemeClr val="tx1"/>
                 </a:solidFill>
                 <a:effectLst/>
-                <a:latin typeface="Arial" panose="020B0604020202020204" pitchFamily="34" charset="0"/>
+                <a:latin typeface="Times New Roman" panose="02020603050405020304" pitchFamily="18" charset="0"/>
                 <a:ea typeface="Times New Roman" panose="02020603050405020304" pitchFamily="18" charset="0"/>
+                <a:cs typeface="Times New Roman" panose="02020603050405020304" pitchFamily="18" charset="0"/>
               </a:rPr>
             </a:br>
             <a:r>
-              <a:rPr kumimoji="0" lang="en-US" altLang="en-US" sz="1000" b="0" i="1" u="none" strike="noStrike" cap="none" normalizeH="0" baseline="0">
+              <a:rPr kumimoji="0" lang="en-US" altLang="en-US" sz="1000" b="0" i="1" u="none" strike="noStrike" cap="none" normalizeH="0" baseline="0" dirty="0">
                 <a:ln>
                   <a:noFill/>
                 </a:ln>
@@ -3768,12 +3775,13 @@
                   <a:schemeClr val="tx1"/>
                 </a:solidFill>
                 <a:effectLst/>
-                <a:latin typeface="Arial" panose="020B0604020202020204" pitchFamily="34" charset="0"/>
+                <a:latin typeface="Times New Roman" panose="02020603050405020304" pitchFamily="18" charset="0"/>
                 <a:ea typeface="Times New Roman" panose="02020603050405020304" pitchFamily="18" charset="0"/>
+                <a:cs typeface="Times New Roman" panose="02020603050405020304" pitchFamily="18" charset="0"/>
               </a:rPr>
               <a:t>Information on a patient </a:t>
             </a:r>
-            <a:endParaRPr kumimoji="0" lang="en-US" altLang="en-US" sz="1800" b="0" i="0" u="none" strike="noStrike" cap="none" normalizeH="0" baseline="0">
+            <a:endParaRPr kumimoji="0" lang="en-US" altLang="en-US" sz="1800" b="0" i="0" u="none" strike="noStrike" cap="none" normalizeH="0" baseline="0" dirty="0">
               <a:ln>
                 <a:noFill/>
               </a:ln>
@@ -3781,7 +3789,8 @@
                 <a:schemeClr val="tx1"/>
               </a:solidFill>
               <a:effectLst/>
-              <a:latin typeface="Arial" panose="020B0604020202020204" pitchFamily="34" charset="0"/>
+              <a:latin typeface="Times New Roman" panose="02020603050405020304" pitchFamily="18" charset="0"/>
+              <a:cs typeface="Times New Roman" panose="02020603050405020304" pitchFamily="18" charset="0"/>
             </a:endParaRPr>
           </a:p>
         </p:txBody>
@@ -3848,8 +3857,8 @@
         </p:nvSpPr>
         <p:spPr bwMode="auto">
           <a:xfrm>
-            <a:off x="1711325" y="1117600"/>
-            <a:ext cx="1268413" cy="342900"/>
+            <a:off x="1570039" y="1117599"/>
+            <a:ext cx="1409700" cy="365117"/>
           </a:xfrm>
           <a:prstGeom prst="rect">
             <a:avLst/>
@@ -3898,7 +3907,7 @@
               <a:tabLst/>
             </a:pPr>
             <a:r>
-              <a:rPr kumimoji="0" lang="en-US" altLang="en-US" sz="1000" b="0" i="0" u="none" strike="noStrike" cap="none" normalizeH="0" baseline="0">
+              <a:rPr kumimoji="0" lang="en-US" altLang="en-US" sz="1000" b="0" i="0" u="none" strike="noStrike" cap="none" normalizeH="0" baseline="0" dirty="0">
                 <a:ln>
                   <a:noFill/>
                 </a:ln>
@@ -3906,13 +3915,14 @@
                   <a:schemeClr val="tx1"/>
                 </a:solidFill>
                 <a:effectLst/>
-                <a:latin typeface="Arial" panose="020B0604020202020204" pitchFamily="34" charset="0"/>
+                <a:latin typeface="Times New Roman" panose="02020603050405020304" pitchFamily="18" charset="0"/>
                 <a:ea typeface="Times New Roman" panose="02020603050405020304" pitchFamily="18" charset="0"/>
+                <a:cs typeface="Times New Roman" panose="02020603050405020304" pitchFamily="18" charset="0"/>
               </a:rPr>
               <a:t>Retrieve Specific</a:t>
             </a:r>
             <a:br>
-              <a:rPr kumimoji="0" lang="en-US" altLang="en-US" sz="1000" b="0" i="0" u="none" strike="noStrike" cap="none" normalizeH="0" baseline="0">
+              <a:rPr kumimoji="0" lang="en-US" altLang="en-US" sz="1000" b="0" i="0" u="none" strike="noStrike" cap="none" normalizeH="0" baseline="0" dirty="0">
                 <a:ln>
                   <a:noFill/>
                 </a:ln>
@@ -3920,12 +3930,13 @@
                   <a:schemeClr val="tx1"/>
                 </a:solidFill>
                 <a:effectLst/>
-                <a:latin typeface="Arial" panose="020B0604020202020204" pitchFamily="34" charset="0"/>
+                <a:latin typeface="Times New Roman" panose="02020603050405020304" pitchFamily="18" charset="0"/>
                 <a:ea typeface="Times New Roman" panose="02020603050405020304" pitchFamily="18" charset="0"/>
+                <a:cs typeface="Times New Roman" panose="02020603050405020304" pitchFamily="18" charset="0"/>
               </a:rPr>
             </a:br>
             <a:r>
-              <a:rPr kumimoji="0" lang="en-US" altLang="en-US" sz="1000" b="0" i="0" u="none" strike="noStrike" cap="none" normalizeH="0" baseline="0">
+              <a:rPr kumimoji="0" lang="en-US" altLang="en-US" sz="1000" b="0" i="0" u="none" strike="noStrike" cap="none" normalizeH="0" baseline="0" dirty="0">
                 <a:ln>
                   <a:noFill/>
                 </a:ln>
@@ -3933,12 +3944,13 @@
                   <a:schemeClr val="tx1"/>
                 </a:solidFill>
                 <a:effectLst/>
-                <a:latin typeface="Arial" panose="020B0604020202020204" pitchFamily="34" charset="0"/>
+                <a:latin typeface="Times New Roman" panose="02020603050405020304" pitchFamily="18" charset="0"/>
                 <a:ea typeface="Times New Roman" panose="02020603050405020304" pitchFamily="18" charset="0"/>
+                <a:cs typeface="Times New Roman" panose="02020603050405020304" pitchFamily="18" charset="0"/>
               </a:rPr>
               <a:t>Info for Display [ITI-11]</a:t>
             </a:r>
-            <a:endParaRPr kumimoji="0" lang="en-US" altLang="en-US" sz="1800" b="0" i="0" u="none" strike="noStrike" cap="none" normalizeH="0" baseline="0">
+            <a:endParaRPr kumimoji="0" lang="en-US" altLang="en-US" sz="1800" b="0" i="0" u="none" strike="noStrike" cap="none" normalizeH="0" baseline="0" dirty="0">
               <a:ln>
                 <a:noFill/>
               </a:ln>
@@ -3946,7 +3958,8 @@
                 <a:schemeClr val="tx1"/>
               </a:solidFill>
               <a:effectLst/>
-              <a:latin typeface="Arial" panose="020B0604020202020204" pitchFamily="34" charset="0"/>
+              <a:latin typeface="Times New Roman" panose="02020603050405020304" pitchFamily="18" charset="0"/>
+              <a:cs typeface="Times New Roman" panose="02020603050405020304" pitchFamily="18" charset="0"/>
             </a:endParaRPr>
           </a:p>
         </p:txBody>
@@ -3968,7 +3981,7 @@
         <p:spPr bwMode="auto">
           <a:xfrm>
             <a:off x="3190875" y="1033463"/>
-            <a:ext cx="203200" cy="795337"/>
+            <a:ext cx="203199" cy="858261"/>
           </a:xfrm>
           <a:prstGeom prst="rect">
             <a:avLst/>
@@ -4013,7 +4026,7 @@
         </p:nvSpPr>
         <p:spPr bwMode="auto">
           <a:xfrm>
-            <a:off x="0" y="1212850"/>
+            <a:off x="0" y="1018881"/>
             <a:ext cx="788988" cy="657225"/>
           </a:xfrm>
           <a:prstGeom prst="rect">
@@ -4071,8 +4084,9 @@
                   <a:schemeClr val="tx1"/>
                 </a:solidFill>
                 <a:effectLst/>
-                <a:latin typeface="Arial" panose="020B0604020202020204" pitchFamily="34" charset="0"/>
+                <a:latin typeface="Times New Roman" panose="02020603050405020304" pitchFamily="18" charset="0"/>
                 <a:ea typeface="Times New Roman" panose="02020603050405020304" pitchFamily="18" charset="0"/>
+                <a:cs typeface="Times New Roman" panose="02020603050405020304" pitchFamily="18" charset="0"/>
               </a:rPr>
               <a:t>Prepare Specific</a:t>
             </a:r>
@@ -4085,8 +4099,9 @@
                   <a:schemeClr val="tx1"/>
                 </a:solidFill>
                 <a:effectLst/>
-                <a:latin typeface="Arial" panose="020B0604020202020204" pitchFamily="34" charset="0"/>
+                <a:latin typeface="Times New Roman" panose="02020603050405020304" pitchFamily="18" charset="0"/>
                 <a:ea typeface="Times New Roman" panose="02020603050405020304" pitchFamily="18" charset="0"/>
+                <a:cs typeface="Times New Roman" panose="02020603050405020304" pitchFamily="18" charset="0"/>
               </a:rPr>
             </a:br>
             <a:r>
@@ -4098,8 +4113,9 @@
                   <a:schemeClr val="tx1"/>
                 </a:solidFill>
                 <a:effectLst/>
-                <a:latin typeface="Arial" panose="020B0604020202020204" pitchFamily="34" charset="0"/>
+                <a:latin typeface="Times New Roman" panose="02020603050405020304" pitchFamily="18" charset="0"/>
                 <a:ea typeface="Times New Roman" panose="02020603050405020304" pitchFamily="18" charset="0"/>
+                <a:cs typeface="Times New Roman" panose="02020603050405020304" pitchFamily="18" charset="0"/>
               </a:rPr>
               <a:t>Information for Display </a:t>
             </a:r>
@@ -4111,7 +4127,8 @@
                 <a:schemeClr val="tx1"/>
               </a:solidFill>
               <a:effectLst/>
-              <a:latin typeface="Arial" panose="020B0604020202020204" pitchFamily="34" charset="0"/>
+              <a:latin typeface="Times New Roman" panose="02020603050405020304" pitchFamily="18" charset="0"/>
+              <a:cs typeface="Times New Roman" panose="02020603050405020304" pitchFamily="18" charset="0"/>
             </a:endParaRPr>
           </a:p>
         </p:txBody>
@@ -4132,7 +4149,7 @@
         </p:nvSpPr>
         <p:spPr bwMode="auto">
           <a:xfrm>
-            <a:off x="3714750" y="1517650"/>
+            <a:off x="3797880" y="1586925"/>
             <a:ext cx="788988" cy="304800"/>
           </a:xfrm>
           <a:prstGeom prst="rect">
@@ -4182,7 +4199,7 @@
               <a:tabLst/>
             </a:pPr>
             <a:r>
-              <a:rPr kumimoji="0" lang="en-US" altLang="en-US" sz="1000" b="0" i="1" u="none" strike="noStrike" cap="none" normalizeH="0" baseline="0">
+              <a:rPr kumimoji="0" lang="en-US" altLang="en-US" sz="1000" b="0" i="1" u="none" strike="noStrike" cap="none" normalizeH="0" baseline="0" dirty="0">
                 <a:ln>
                   <a:noFill/>
                 </a:ln>
@@ -4190,12 +4207,13 @@
                   <a:schemeClr val="tx1"/>
                 </a:solidFill>
                 <a:effectLst/>
-                <a:latin typeface="Arial" panose="020B0604020202020204" pitchFamily="34" charset="0"/>
+                <a:latin typeface="Times New Roman" panose="02020603050405020304" pitchFamily="18" charset="0"/>
                 <a:ea typeface="Times New Roman" panose="02020603050405020304" pitchFamily="18" charset="0"/>
+                <a:cs typeface="Times New Roman" panose="02020603050405020304" pitchFamily="18" charset="0"/>
               </a:rPr>
               <a:t>Display Information </a:t>
             </a:r>
-            <a:endParaRPr kumimoji="0" lang="en-US" altLang="en-US" sz="1800" b="0" i="0" u="none" strike="noStrike" cap="none" normalizeH="0" baseline="0">
+            <a:endParaRPr kumimoji="0" lang="en-US" altLang="en-US" sz="1800" b="0" i="0" u="none" strike="noStrike" cap="none" normalizeH="0" baseline="0" dirty="0">
               <a:ln>
                 <a:noFill/>
               </a:ln>
@@ -4203,7 +4221,8 @@
                 <a:schemeClr val="tx1"/>
               </a:solidFill>
               <a:effectLst/>
-              <a:latin typeface="Arial" panose="020B0604020202020204" pitchFamily="34" charset="0"/>
+              <a:latin typeface="Times New Roman" panose="02020603050405020304" pitchFamily="18" charset="0"/>
+              <a:cs typeface="Times New Roman" panose="02020603050405020304" pitchFamily="18" charset="0"/>
             </a:endParaRPr>
           </a:p>
         </p:txBody>
@@ -4224,7 +4243,7 @@
         </p:nvSpPr>
         <p:spPr bwMode="auto">
           <a:xfrm>
-            <a:off x="3752850" y="2070100"/>
+            <a:off x="3794415" y="2070100"/>
             <a:ext cx="788988" cy="466725"/>
           </a:xfrm>
           <a:prstGeom prst="rect">
@@ -4274,7 +4293,7 @@
               <a:tabLst/>
             </a:pPr>
             <a:r>
-              <a:rPr kumimoji="0" lang="en-US" altLang="en-US" sz="1000" b="0" i="1" u="none" strike="noStrike" cap="none" normalizeH="0" baseline="0">
+              <a:rPr kumimoji="0" lang="en-US" altLang="en-US" sz="1000" b="0" i="1" u="none" strike="noStrike" cap="none" normalizeH="0" baseline="0" dirty="0">
                 <a:ln>
                   <a:noFill/>
                 </a:ln>
@@ -4282,13 +4301,14 @@
                   <a:schemeClr val="tx1"/>
                 </a:solidFill>
                 <a:effectLst/>
-                <a:latin typeface="Arial" panose="020B0604020202020204" pitchFamily="34" charset="0"/>
+                <a:latin typeface="Times New Roman" panose="02020603050405020304" pitchFamily="18" charset="0"/>
                 <a:ea typeface="Times New Roman" panose="02020603050405020304" pitchFamily="18" charset="0"/>
+                <a:cs typeface="Times New Roman" panose="02020603050405020304" pitchFamily="18" charset="0"/>
               </a:rPr>
               <a:t>Request for</a:t>
             </a:r>
             <a:br>
-              <a:rPr kumimoji="0" lang="en-US" altLang="en-US" sz="1000" b="0" i="1" u="none" strike="noStrike" cap="none" normalizeH="0" baseline="0">
+              <a:rPr kumimoji="0" lang="en-US" altLang="en-US" sz="1000" b="0" i="1" u="none" strike="noStrike" cap="none" normalizeH="0" baseline="0" dirty="0">
                 <a:ln>
                   <a:noFill/>
                 </a:ln>
@@ -4296,12 +4316,13 @@
                   <a:schemeClr val="tx1"/>
                 </a:solidFill>
                 <a:effectLst/>
-                <a:latin typeface="Arial" panose="020B0604020202020204" pitchFamily="34" charset="0"/>
+                <a:latin typeface="Times New Roman" panose="02020603050405020304" pitchFamily="18" charset="0"/>
                 <a:ea typeface="Times New Roman" panose="02020603050405020304" pitchFamily="18" charset="0"/>
+                <a:cs typeface="Times New Roman" panose="02020603050405020304" pitchFamily="18" charset="0"/>
               </a:rPr>
             </a:br>
             <a:r>
-              <a:rPr kumimoji="0" lang="en-US" altLang="en-US" sz="1000" b="0" i="1" u="none" strike="noStrike" cap="none" normalizeH="0" baseline="0">
+              <a:rPr kumimoji="0" lang="en-US" altLang="en-US" sz="1000" b="0" i="1" u="none" strike="noStrike" cap="none" normalizeH="0" baseline="0" dirty="0">
                 <a:ln>
                   <a:noFill/>
                 </a:ln>
@@ -4309,12 +4330,13 @@
                   <a:schemeClr val="tx1"/>
                 </a:solidFill>
                 <a:effectLst/>
-                <a:latin typeface="Arial" panose="020B0604020202020204" pitchFamily="34" charset="0"/>
+                <a:latin typeface="Times New Roman" panose="02020603050405020304" pitchFamily="18" charset="0"/>
                 <a:ea typeface="Times New Roman" panose="02020603050405020304" pitchFamily="18" charset="0"/>
+                <a:cs typeface="Times New Roman" panose="02020603050405020304" pitchFamily="18" charset="0"/>
               </a:rPr>
               <a:t>Information on a patient </a:t>
             </a:r>
-            <a:endParaRPr kumimoji="0" lang="en-US" altLang="en-US" sz="1800" b="0" i="0" u="none" strike="noStrike" cap="none" normalizeH="0" baseline="0">
+            <a:endParaRPr kumimoji="0" lang="en-US" altLang="en-US" sz="1800" b="0" i="0" u="none" strike="noStrike" cap="none" normalizeH="0" baseline="0" dirty="0">
               <a:ln>
                 <a:noFill/>
               </a:ln>
@@ -4322,7 +4344,8 @@
                 <a:schemeClr val="tx1"/>
               </a:solidFill>
               <a:effectLst/>
-              <a:latin typeface="Arial" panose="020B0604020202020204" pitchFamily="34" charset="0"/>
+              <a:latin typeface="Times New Roman" panose="02020603050405020304" pitchFamily="18" charset="0"/>
+              <a:cs typeface="Times New Roman" panose="02020603050405020304" pitchFamily="18" charset="0"/>
             </a:endParaRPr>
           </a:p>
         </p:txBody>
@@ -4343,8 +4366,8 @@
         </p:nvSpPr>
         <p:spPr bwMode="auto">
           <a:xfrm>
-            <a:off x="1162050" y="2128838"/>
-            <a:ext cx="182563" cy="741362"/>
+            <a:off x="1162050" y="2128837"/>
+            <a:ext cx="190689" cy="998535"/>
           </a:xfrm>
           <a:prstGeom prst="rect">
             <a:avLst/>
@@ -4389,7 +4412,7 @@
         </p:nvSpPr>
         <p:spPr bwMode="auto">
           <a:xfrm>
-            <a:off x="1739900" y="2212975"/>
+            <a:off x="1590275" y="2212975"/>
             <a:ext cx="1358900" cy="342900"/>
           </a:xfrm>
           <a:prstGeom prst="rect">
@@ -4447,8 +4470,9 @@
                   <a:schemeClr val="tx1"/>
                 </a:solidFill>
                 <a:effectLst/>
-                <a:latin typeface="Arial" panose="020B0604020202020204" pitchFamily="34" charset="0"/>
+                <a:latin typeface="Times New Roman" panose="02020603050405020304" pitchFamily="18" charset="0"/>
                 <a:ea typeface="Times New Roman" panose="02020603050405020304" pitchFamily="18" charset="0"/>
+                <a:cs typeface="Times New Roman" panose="02020603050405020304" pitchFamily="18" charset="0"/>
               </a:rPr>
               <a:t>Retrieve Specific</a:t>
             </a:r>
@@ -4461,8 +4485,9 @@
                   <a:schemeClr val="tx1"/>
                 </a:solidFill>
                 <a:effectLst/>
-                <a:latin typeface="Arial" panose="020B0604020202020204" pitchFamily="34" charset="0"/>
+                <a:latin typeface="Times New Roman" panose="02020603050405020304" pitchFamily="18" charset="0"/>
                 <a:ea typeface="Times New Roman" panose="02020603050405020304" pitchFamily="18" charset="0"/>
+                <a:cs typeface="Times New Roman" panose="02020603050405020304" pitchFamily="18" charset="0"/>
               </a:rPr>
             </a:br>
             <a:r>
@@ -4474,8 +4499,9 @@
                   <a:schemeClr val="tx1"/>
                 </a:solidFill>
                 <a:effectLst/>
-                <a:latin typeface="Arial" panose="020B0604020202020204" pitchFamily="34" charset="0"/>
+                <a:latin typeface="Times New Roman" panose="02020603050405020304" pitchFamily="18" charset="0"/>
                 <a:ea typeface="Times New Roman" panose="02020603050405020304" pitchFamily="18" charset="0"/>
+                <a:cs typeface="Times New Roman" panose="02020603050405020304" pitchFamily="18" charset="0"/>
               </a:rPr>
               <a:t>Info for Display [ITI-11]</a:t>
             </a:r>
@@ -4487,7 +4513,8 @@
                 <a:schemeClr val="tx1"/>
               </a:solidFill>
               <a:effectLst/>
-              <a:latin typeface="Arial" panose="020B0604020202020204" pitchFamily="34" charset="0"/>
+              <a:latin typeface="Times New Roman" panose="02020603050405020304" pitchFamily="18" charset="0"/>
+              <a:cs typeface="Times New Roman" panose="02020603050405020304" pitchFamily="18" charset="0"/>
             </a:endParaRPr>
           </a:p>
         </p:txBody>
@@ -4508,8 +4535,8 @@
         </p:nvSpPr>
         <p:spPr bwMode="auto">
           <a:xfrm>
-            <a:off x="3216275" y="2101850"/>
-            <a:ext cx="184150" cy="776288"/>
+            <a:off x="3186711" y="2101849"/>
+            <a:ext cx="213714" cy="878035"/>
           </a:xfrm>
           <a:prstGeom prst="rect">
             <a:avLst/>
@@ -4554,7 +4581,7 @@
         </p:nvSpPr>
         <p:spPr bwMode="auto">
           <a:xfrm>
-            <a:off x="28575" y="2308225"/>
+            <a:off x="28575" y="2446773"/>
             <a:ext cx="788988" cy="819150"/>
           </a:xfrm>
           <a:prstGeom prst="rect">
@@ -4612,8 +4639,9 @@
                   <a:schemeClr val="tx1"/>
                 </a:solidFill>
                 <a:effectLst/>
-                <a:latin typeface="Arial" panose="020B0604020202020204" pitchFamily="34" charset="0"/>
+                <a:latin typeface="Times New Roman" panose="02020603050405020304" pitchFamily="18" charset="0"/>
                 <a:ea typeface="Times New Roman" panose="02020603050405020304" pitchFamily="18" charset="0"/>
+                <a:cs typeface="Times New Roman" panose="02020603050405020304" pitchFamily="18" charset="0"/>
               </a:rPr>
               <a:t>Information not found or information type not supported </a:t>
             </a:r>
@@ -4625,7 +4653,8 @@
                 <a:schemeClr val="tx1"/>
               </a:solidFill>
               <a:effectLst/>
-              <a:latin typeface="Arial" panose="020B0604020202020204" pitchFamily="34" charset="0"/>
+              <a:latin typeface="Times New Roman" panose="02020603050405020304" pitchFamily="18" charset="0"/>
+              <a:cs typeface="Times New Roman" panose="02020603050405020304" pitchFamily="18" charset="0"/>
             </a:endParaRPr>
           </a:p>
         </p:txBody>
@@ -4646,7 +4675,7 @@
         </p:nvSpPr>
         <p:spPr bwMode="auto">
           <a:xfrm>
-            <a:off x="3743325" y="2679700"/>
+            <a:off x="3798745" y="2721265"/>
             <a:ext cx="788988" cy="190500"/>
           </a:xfrm>
           <a:prstGeom prst="rect">
@@ -4704,8 +4733,9 @@
                   <a:schemeClr val="tx1"/>
                 </a:solidFill>
                 <a:effectLst/>
-                <a:latin typeface="Arial" panose="020B0604020202020204" pitchFamily="34" charset="0"/>
+                <a:latin typeface="Times New Roman" panose="02020603050405020304" pitchFamily="18" charset="0"/>
                 <a:ea typeface="Times New Roman" panose="02020603050405020304" pitchFamily="18" charset="0"/>
+                <a:cs typeface="Times New Roman" panose="02020603050405020304" pitchFamily="18" charset="0"/>
               </a:rPr>
               <a:t>Display Error</a:t>
             </a:r>
@@ -4717,7 +4747,8 @@
                 <a:schemeClr val="tx1"/>
               </a:solidFill>
               <a:effectLst/>
-              <a:latin typeface="Arial" panose="020B0604020202020204" pitchFamily="34" charset="0"/>
+              <a:latin typeface="Times New Roman" panose="02020603050405020304" pitchFamily="18" charset="0"/>
+              <a:cs typeface="Times New Roman" panose="02020603050405020304" pitchFamily="18" charset="0"/>
             </a:endParaRPr>
           </a:p>
         </p:txBody>
@@ -5811,6 +5842,870 @@
           </a:p>
         </p:txBody>
       </p:sp>
+      <p:sp>
+        <p:nvSpPr>
+          <p:cNvPr id="41" name="Line 23">
+            <a:extLst>
+              <a:ext uri="{FF2B5EF4-FFF2-40B4-BE49-F238E27FC236}">
+                <a16:creationId xmlns:a16="http://schemas.microsoft.com/office/drawing/2014/main" id="{0872D5FA-12B2-244B-BE08-A920EC3B8C7E}"/>
+              </a:ext>
+            </a:extLst>
+          </p:cNvPr>
+          <p:cNvSpPr>
+            <a:spLocks noChangeShapeType="1"/>
+          </p:cNvSpPr>
+          <p:nvPr/>
+        </p:nvSpPr>
+        <p:spPr bwMode="auto">
+          <a:xfrm flipH="1">
+            <a:off x="3420626" y="2430779"/>
+            <a:ext cx="296418" cy="0"/>
+          </a:xfrm>
+          <a:prstGeom prst="line">
+            <a:avLst/>
+          </a:prstGeom>
+          <a:noFill/>
+          <a:ln w="9525">
+            <a:solidFill>
+              <a:srgbClr val="000000"/>
+            </a:solidFill>
+            <a:round/>
+            <a:headEnd/>
+            <a:tailEnd type="triangle" w="med" len="med"/>
+          </a:ln>
+          <a:extLst>
+            <a:ext uri="{909E8E84-426E-40DD-AFC4-6F175D3DCCD1}">
+              <a14:hiddenFill xmlns:a14="http://schemas.microsoft.com/office/drawing/2010/main">
+                <a:noFill/>
+              </a14:hiddenFill>
+            </a:ext>
+          </a:extLst>
+        </p:spPr>
+        <p:txBody>
+          <a:bodyPr vert="horz" wrap="square" lIns="91440" tIns="45720" rIns="91440" bIns="45720" numCol="1" anchor="t" anchorCtr="0" compatLnSpc="1">
+            <a:prstTxWarp prst="textNoShape">
+              <a:avLst/>
+            </a:prstTxWarp>
+          </a:bodyPr>
+          <a:lstStyle/>
+          <a:p>
+            <a:endParaRPr lang="en-US"/>
+          </a:p>
+        </p:txBody>
+      </p:sp>
+      <p:cxnSp>
+        <p:nvCxnSpPr>
+          <p:cNvPr id="42" name="Straight Connector 41">
+            <a:extLst>
+              <a:ext uri="{FF2B5EF4-FFF2-40B4-BE49-F238E27FC236}">
+                <a16:creationId xmlns:a16="http://schemas.microsoft.com/office/drawing/2014/main" id="{11FC971D-8B00-944D-9C3C-8D66A88873DA}"/>
+              </a:ext>
+            </a:extLst>
+          </p:cNvPr>
+          <p:cNvCxnSpPr>
+            <a:cxnSpLocks/>
+          </p:cNvCxnSpPr>
+          <p:nvPr/>
+        </p:nvCxnSpPr>
+        <p:spPr>
+          <a:xfrm>
+            <a:off x="3727435" y="2188322"/>
+            <a:ext cx="0" cy="242457"/>
+          </a:xfrm>
+          <a:prstGeom prst="line">
+            <a:avLst/>
+          </a:prstGeom>
+          <a:ln w="12700">
+            <a:solidFill>
+              <a:schemeClr val="tx1"/>
+            </a:solidFill>
+          </a:ln>
+        </p:spPr>
+        <p:style>
+          <a:lnRef idx="1">
+            <a:schemeClr val="accent1"/>
+          </a:lnRef>
+          <a:fillRef idx="0">
+            <a:schemeClr val="accent1"/>
+          </a:fillRef>
+          <a:effectRef idx="0">
+            <a:schemeClr val="accent1"/>
+          </a:effectRef>
+          <a:fontRef idx="minor">
+            <a:schemeClr val="tx1"/>
+          </a:fontRef>
+        </p:style>
+      </p:cxnSp>
+      <p:cxnSp>
+        <p:nvCxnSpPr>
+          <p:cNvPr id="43" name="Straight Connector 42">
+            <a:extLst>
+              <a:ext uri="{FF2B5EF4-FFF2-40B4-BE49-F238E27FC236}">
+                <a16:creationId xmlns:a16="http://schemas.microsoft.com/office/drawing/2014/main" id="{CD61285A-A886-8E4B-B185-B39930FE8607}"/>
+              </a:ext>
+            </a:extLst>
+          </p:cNvPr>
+          <p:cNvCxnSpPr>
+            <a:cxnSpLocks/>
+          </p:cNvCxnSpPr>
+          <p:nvPr/>
+        </p:nvCxnSpPr>
+        <p:spPr>
+          <a:xfrm flipH="1">
+            <a:off x="3403309" y="2188323"/>
+            <a:ext cx="324127" cy="0"/>
+          </a:xfrm>
+          <a:prstGeom prst="line">
+            <a:avLst/>
+          </a:prstGeom>
+          <a:ln w="12700">
+            <a:solidFill>
+              <a:schemeClr val="tx1"/>
+            </a:solidFill>
+          </a:ln>
+        </p:spPr>
+        <p:style>
+          <a:lnRef idx="1">
+            <a:schemeClr val="accent1"/>
+          </a:lnRef>
+          <a:fillRef idx="0">
+            <a:schemeClr val="accent1"/>
+          </a:fillRef>
+          <a:effectRef idx="0">
+            <a:schemeClr val="accent1"/>
+          </a:effectRef>
+          <a:fontRef idx="minor">
+            <a:schemeClr val="tx1"/>
+          </a:fontRef>
+        </p:style>
+      </p:cxnSp>
+      <p:sp>
+        <p:nvSpPr>
+          <p:cNvPr id="44" name="Line 23">
+            <a:extLst>
+              <a:ext uri="{FF2B5EF4-FFF2-40B4-BE49-F238E27FC236}">
+                <a16:creationId xmlns:a16="http://schemas.microsoft.com/office/drawing/2014/main" id="{0B1212F2-46BD-7A48-8E28-4AE2066EB61F}"/>
+              </a:ext>
+            </a:extLst>
+          </p:cNvPr>
+          <p:cNvSpPr>
+            <a:spLocks noChangeShapeType="1"/>
+          </p:cNvSpPr>
+          <p:nvPr/>
+        </p:nvSpPr>
+        <p:spPr bwMode="auto">
+          <a:xfrm flipH="1">
+            <a:off x="3420621" y="1322409"/>
+            <a:ext cx="296418" cy="0"/>
+          </a:xfrm>
+          <a:prstGeom prst="line">
+            <a:avLst/>
+          </a:prstGeom>
+          <a:noFill/>
+          <a:ln w="9525">
+            <a:solidFill>
+              <a:srgbClr val="000000"/>
+            </a:solidFill>
+            <a:round/>
+            <a:headEnd/>
+            <a:tailEnd type="triangle" w="med" len="med"/>
+          </a:ln>
+          <a:extLst>
+            <a:ext uri="{909E8E84-426E-40DD-AFC4-6F175D3DCCD1}">
+              <a14:hiddenFill xmlns:a14="http://schemas.microsoft.com/office/drawing/2010/main">
+                <a:noFill/>
+              </a14:hiddenFill>
+            </a:ext>
+          </a:extLst>
+        </p:spPr>
+        <p:txBody>
+          <a:bodyPr vert="horz" wrap="square" lIns="91440" tIns="45720" rIns="91440" bIns="45720" numCol="1" anchor="t" anchorCtr="0" compatLnSpc="1">
+            <a:prstTxWarp prst="textNoShape">
+              <a:avLst/>
+            </a:prstTxWarp>
+          </a:bodyPr>
+          <a:lstStyle/>
+          <a:p>
+            <a:endParaRPr lang="en-US"/>
+          </a:p>
+        </p:txBody>
+      </p:sp>
+      <p:cxnSp>
+        <p:nvCxnSpPr>
+          <p:cNvPr id="45" name="Straight Connector 44">
+            <a:extLst>
+              <a:ext uri="{FF2B5EF4-FFF2-40B4-BE49-F238E27FC236}">
+                <a16:creationId xmlns:a16="http://schemas.microsoft.com/office/drawing/2014/main" id="{8C62DFB9-9E90-9B4F-8B20-2E9E56630E64}"/>
+              </a:ext>
+            </a:extLst>
+          </p:cNvPr>
+          <p:cNvCxnSpPr>
+            <a:cxnSpLocks/>
+          </p:cNvCxnSpPr>
+          <p:nvPr/>
+        </p:nvCxnSpPr>
+        <p:spPr>
+          <a:xfrm>
+            <a:off x="3727430" y="1079952"/>
+            <a:ext cx="0" cy="242457"/>
+          </a:xfrm>
+          <a:prstGeom prst="line">
+            <a:avLst/>
+          </a:prstGeom>
+          <a:ln w="12700">
+            <a:solidFill>
+              <a:schemeClr val="tx1"/>
+            </a:solidFill>
+          </a:ln>
+        </p:spPr>
+        <p:style>
+          <a:lnRef idx="1">
+            <a:schemeClr val="accent1"/>
+          </a:lnRef>
+          <a:fillRef idx="0">
+            <a:schemeClr val="accent1"/>
+          </a:fillRef>
+          <a:effectRef idx="0">
+            <a:schemeClr val="accent1"/>
+          </a:effectRef>
+          <a:fontRef idx="minor">
+            <a:schemeClr val="tx1"/>
+          </a:fontRef>
+        </p:style>
+      </p:cxnSp>
+      <p:cxnSp>
+        <p:nvCxnSpPr>
+          <p:cNvPr id="46" name="Straight Connector 45">
+            <a:extLst>
+              <a:ext uri="{FF2B5EF4-FFF2-40B4-BE49-F238E27FC236}">
+                <a16:creationId xmlns:a16="http://schemas.microsoft.com/office/drawing/2014/main" id="{2A82911D-70B4-F940-9BB4-E5189D0BCD56}"/>
+              </a:ext>
+            </a:extLst>
+          </p:cNvPr>
+          <p:cNvCxnSpPr>
+            <a:cxnSpLocks/>
+          </p:cNvCxnSpPr>
+          <p:nvPr/>
+        </p:nvCxnSpPr>
+        <p:spPr>
+          <a:xfrm flipH="1">
+            <a:off x="3403304" y="1079953"/>
+            <a:ext cx="324127" cy="0"/>
+          </a:xfrm>
+          <a:prstGeom prst="line">
+            <a:avLst/>
+          </a:prstGeom>
+          <a:ln w="12700">
+            <a:solidFill>
+              <a:schemeClr val="tx1"/>
+            </a:solidFill>
+          </a:ln>
+        </p:spPr>
+        <p:style>
+          <a:lnRef idx="1">
+            <a:schemeClr val="accent1"/>
+          </a:lnRef>
+          <a:fillRef idx="0">
+            <a:schemeClr val="accent1"/>
+          </a:fillRef>
+          <a:effectRef idx="0">
+            <a:schemeClr val="accent1"/>
+          </a:effectRef>
+          <a:fontRef idx="minor">
+            <a:schemeClr val="tx1"/>
+          </a:fontRef>
+        </p:style>
+      </p:cxnSp>
+      <p:grpSp>
+        <p:nvGrpSpPr>
+          <p:cNvPr id="2" name="Group 1">
+            <a:extLst>
+              <a:ext uri="{FF2B5EF4-FFF2-40B4-BE49-F238E27FC236}">
+                <a16:creationId xmlns:a16="http://schemas.microsoft.com/office/drawing/2014/main" id="{613D853F-2CA6-5741-910A-DD165A6A8EC4}"/>
+              </a:ext>
+            </a:extLst>
+          </p:cNvPr>
+          <p:cNvGrpSpPr/>
+          <p:nvPr/>
+        </p:nvGrpSpPr>
+        <p:grpSpPr>
+          <a:xfrm flipH="1">
+            <a:off x="854664" y="2737432"/>
+            <a:ext cx="324127" cy="242457"/>
+            <a:chOff x="3555709" y="3740033"/>
+            <a:chExt cx="324127" cy="242457"/>
+          </a:xfrm>
+        </p:grpSpPr>
+        <p:sp>
+          <p:nvSpPr>
+            <p:cNvPr id="47" name="Line 23">
+              <a:extLst>
+                <a:ext uri="{FF2B5EF4-FFF2-40B4-BE49-F238E27FC236}">
+                  <a16:creationId xmlns:a16="http://schemas.microsoft.com/office/drawing/2014/main" id="{EE7ABD4E-3DB4-B449-BD8C-83ECB2D30360}"/>
+                </a:ext>
+              </a:extLst>
+            </p:cNvPr>
+            <p:cNvSpPr>
+              <a:spLocks noChangeShapeType="1"/>
+            </p:cNvSpPr>
+            <p:nvPr/>
+          </p:nvSpPr>
+          <p:spPr bwMode="auto">
+            <a:xfrm flipH="1" flipV="1">
+              <a:off x="3573026" y="3982490"/>
+              <a:ext cx="296418" cy="0"/>
+            </a:xfrm>
+            <a:prstGeom prst="line">
+              <a:avLst/>
+            </a:prstGeom>
+            <a:noFill/>
+            <a:ln w="9525">
+              <a:solidFill>
+                <a:srgbClr val="000000"/>
+              </a:solidFill>
+              <a:round/>
+              <a:headEnd/>
+              <a:tailEnd type="triangle" w="med" len="med"/>
+            </a:ln>
+            <a:extLst>
+              <a:ext uri="{909E8E84-426E-40DD-AFC4-6F175D3DCCD1}">
+                <a14:hiddenFill xmlns:a14="http://schemas.microsoft.com/office/drawing/2010/main">
+                  <a:noFill/>
+                </a14:hiddenFill>
+              </a:ext>
+            </a:extLst>
+          </p:spPr>
+          <p:txBody>
+            <a:bodyPr vert="horz" wrap="square" lIns="91440" tIns="45720" rIns="91440" bIns="45720" numCol="1" anchor="t" anchorCtr="0" compatLnSpc="1">
+              <a:prstTxWarp prst="textNoShape">
+                <a:avLst/>
+              </a:prstTxWarp>
+            </a:bodyPr>
+            <a:lstStyle/>
+            <a:p>
+              <a:endParaRPr lang="en-US"/>
+            </a:p>
+          </p:txBody>
+        </p:sp>
+        <p:cxnSp>
+          <p:nvCxnSpPr>
+            <p:cNvPr id="48" name="Straight Connector 47">
+              <a:extLst>
+                <a:ext uri="{FF2B5EF4-FFF2-40B4-BE49-F238E27FC236}">
+                  <a16:creationId xmlns:a16="http://schemas.microsoft.com/office/drawing/2014/main" id="{62D2A2FD-6404-684D-8BE4-EC8C8FF65E9D}"/>
+                </a:ext>
+              </a:extLst>
+            </p:cNvPr>
+            <p:cNvCxnSpPr>
+              <a:cxnSpLocks/>
+            </p:cNvCxnSpPr>
+            <p:nvPr/>
+          </p:nvCxnSpPr>
+          <p:spPr>
+            <a:xfrm flipV="1">
+              <a:off x="3879835" y="3740033"/>
+              <a:ext cx="0" cy="242457"/>
+            </a:xfrm>
+            <a:prstGeom prst="line">
+              <a:avLst/>
+            </a:prstGeom>
+            <a:ln w="12700">
+              <a:solidFill>
+                <a:schemeClr val="tx1"/>
+              </a:solidFill>
+            </a:ln>
+          </p:spPr>
+          <p:style>
+            <a:lnRef idx="1">
+              <a:schemeClr val="accent1"/>
+            </a:lnRef>
+            <a:fillRef idx="0">
+              <a:schemeClr val="accent1"/>
+            </a:fillRef>
+            <a:effectRef idx="0">
+              <a:schemeClr val="accent1"/>
+            </a:effectRef>
+            <a:fontRef idx="minor">
+              <a:schemeClr val="tx1"/>
+            </a:fontRef>
+          </p:style>
+        </p:cxnSp>
+        <p:cxnSp>
+          <p:nvCxnSpPr>
+            <p:cNvPr id="49" name="Straight Connector 48">
+              <a:extLst>
+                <a:ext uri="{FF2B5EF4-FFF2-40B4-BE49-F238E27FC236}">
+                  <a16:creationId xmlns:a16="http://schemas.microsoft.com/office/drawing/2014/main" id="{574D8061-4935-414E-BFCD-6CBF931F9482}"/>
+                </a:ext>
+              </a:extLst>
+            </p:cNvPr>
+            <p:cNvCxnSpPr>
+              <a:cxnSpLocks/>
+            </p:cNvCxnSpPr>
+            <p:nvPr/>
+          </p:nvCxnSpPr>
+          <p:spPr>
+            <a:xfrm flipH="1" flipV="1">
+              <a:off x="3555709" y="3740034"/>
+              <a:ext cx="324127" cy="0"/>
+            </a:xfrm>
+            <a:prstGeom prst="line">
+              <a:avLst/>
+            </a:prstGeom>
+            <a:ln w="12700">
+              <a:solidFill>
+                <a:schemeClr val="tx1"/>
+              </a:solidFill>
+            </a:ln>
+          </p:spPr>
+          <p:style>
+            <a:lnRef idx="1">
+              <a:schemeClr val="accent1"/>
+            </a:lnRef>
+            <a:fillRef idx="0">
+              <a:schemeClr val="accent1"/>
+            </a:fillRef>
+            <a:effectRef idx="0">
+              <a:schemeClr val="accent1"/>
+            </a:effectRef>
+            <a:fontRef idx="minor">
+              <a:schemeClr val="tx1"/>
+            </a:fontRef>
+          </p:style>
+        </p:cxnSp>
+      </p:grpSp>
+      <p:grpSp>
+        <p:nvGrpSpPr>
+          <p:cNvPr id="50" name="Group 49">
+            <a:extLst>
+              <a:ext uri="{FF2B5EF4-FFF2-40B4-BE49-F238E27FC236}">
+                <a16:creationId xmlns:a16="http://schemas.microsoft.com/office/drawing/2014/main" id="{CD2E8D24-FB86-CB41-BB7D-C13934217BA4}"/>
+              </a:ext>
+            </a:extLst>
+          </p:cNvPr>
+          <p:cNvGrpSpPr/>
+          <p:nvPr/>
+        </p:nvGrpSpPr>
+        <p:grpSpPr>
+          <a:xfrm flipH="1">
+            <a:off x="813096" y="1158001"/>
+            <a:ext cx="324127" cy="242457"/>
+            <a:chOff x="3555709" y="3740033"/>
+            <a:chExt cx="324127" cy="242457"/>
+          </a:xfrm>
+        </p:grpSpPr>
+        <p:sp>
+          <p:nvSpPr>
+            <p:cNvPr id="51" name="Line 23">
+              <a:extLst>
+                <a:ext uri="{FF2B5EF4-FFF2-40B4-BE49-F238E27FC236}">
+                  <a16:creationId xmlns:a16="http://schemas.microsoft.com/office/drawing/2014/main" id="{DC058D0D-D9CD-3947-899B-F6E606B03CEF}"/>
+                </a:ext>
+              </a:extLst>
+            </p:cNvPr>
+            <p:cNvSpPr>
+              <a:spLocks noChangeShapeType="1"/>
+            </p:cNvSpPr>
+            <p:nvPr/>
+          </p:nvSpPr>
+          <p:spPr bwMode="auto">
+            <a:xfrm flipH="1" flipV="1">
+              <a:off x="3573026" y="3982490"/>
+              <a:ext cx="296418" cy="0"/>
+            </a:xfrm>
+            <a:prstGeom prst="line">
+              <a:avLst/>
+            </a:prstGeom>
+            <a:noFill/>
+            <a:ln w="9525">
+              <a:solidFill>
+                <a:srgbClr val="000000"/>
+              </a:solidFill>
+              <a:round/>
+              <a:headEnd/>
+              <a:tailEnd type="triangle" w="med" len="med"/>
+            </a:ln>
+            <a:extLst>
+              <a:ext uri="{909E8E84-426E-40DD-AFC4-6F175D3DCCD1}">
+                <a14:hiddenFill xmlns:a14="http://schemas.microsoft.com/office/drawing/2010/main">
+                  <a:noFill/>
+                </a14:hiddenFill>
+              </a:ext>
+            </a:extLst>
+          </p:spPr>
+          <p:txBody>
+            <a:bodyPr vert="horz" wrap="square" lIns="91440" tIns="45720" rIns="91440" bIns="45720" numCol="1" anchor="t" anchorCtr="0" compatLnSpc="1">
+              <a:prstTxWarp prst="textNoShape">
+                <a:avLst/>
+              </a:prstTxWarp>
+            </a:bodyPr>
+            <a:lstStyle/>
+            <a:p>
+              <a:endParaRPr lang="en-US"/>
+            </a:p>
+          </p:txBody>
+        </p:sp>
+        <p:cxnSp>
+          <p:nvCxnSpPr>
+            <p:cNvPr id="52" name="Straight Connector 51">
+              <a:extLst>
+                <a:ext uri="{FF2B5EF4-FFF2-40B4-BE49-F238E27FC236}">
+                  <a16:creationId xmlns:a16="http://schemas.microsoft.com/office/drawing/2014/main" id="{740B1616-C9AD-D44C-A371-98E1D0A62824}"/>
+                </a:ext>
+              </a:extLst>
+            </p:cNvPr>
+            <p:cNvCxnSpPr>
+              <a:cxnSpLocks/>
+            </p:cNvCxnSpPr>
+            <p:nvPr/>
+          </p:nvCxnSpPr>
+          <p:spPr>
+            <a:xfrm flipV="1">
+              <a:off x="3879835" y="3740033"/>
+              <a:ext cx="0" cy="242457"/>
+            </a:xfrm>
+            <a:prstGeom prst="line">
+              <a:avLst/>
+            </a:prstGeom>
+            <a:ln w="12700">
+              <a:solidFill>
+                <a:schemeClr val="tx1"/>
+              </a:solidFill>
+            </a:ln>
+          </p:spPr>
+          <p:style>
+            <a:lnRef idx="1">
+              <a:schemeClr val="accent1"/>
+            </a:lnRef>
+            <a:fillRef idx="0">
+              <a:schemeClr val="accent1"/>
+            </a:fillRef>
+            <a:effectRef idx="0">
+              <a:schemeClr val="accent1"/>
+            </a:effectRef>
+            <a:fontRef idx="minor">
+              <a:schemeClr val="tx1"/>
+            </a:fontRef>
+          </p:style>
+        </p:cxnSp>
+        <p:cxnSp>
+          <p:nvCxnSpPr>
+            <p:cNvPr id="53" name="Straight Connector 52">
+              <a:extLst>
+                <a:ext uri="{FF2B5EF4-FFF2-40B4-BE49-F238E27FC236}">
+                  <a16:creationId xmlns:a16="http://schemas.microsoft.com/office/drawing/2014/main" id="{93876C79-3109-7B44-968D-4EF704D57D09}"/>
+                </a:ext>
+              </a:extLst>
+            </p:cNvPr>
+            <p:cNvCxnSpPr>
+              <a:cxnSpLocks/>
+            </p:cNvCxnSpPr>
+            <p:nvPr/>
+          </p:nvCxnSpPr>
+          <p:spPr>
+            <a:xfrm flipH="1" flipV="1">
+              <a:off x="3555709" y="3740034"/>
+              <a:ext cx="324127" cy="0"/>
+            </a:xfrm>
+            <a:prstGeom prst="line">
+              <a:avLst/>
+            </a:prstGeom>
+            <a:ln w="12700">
+              <a:solidFill>
+                <a:schemeClr val="tx1"/>
+              </a:solidFill>
+            </a:ln>
+          </p:spPr>
+          <p:style>
+            <a:lnRef idx="1">
+              <a:schemeClr val="accent1"/>
+            </a:lnRef>
+            <a:fillRef idx="0">
+              <a:schemeClr val="accent1"/>
+            </a:fillRef>
+            <a:effectRef idx="0">
+              <a:schemeClr val="accent1"/>
+            </a:effectRef>
+            <a:fontRef idx="minor">
+              <a:schemeClr val="tx1"/>
+            </a:fontRef>
+          </p:style>
+        </p:cxnSp>
+      </p:grpSp>
+      <p:sp>
+        <p:nvSpPr>
+          <p:cNvPr id="54" name="Line 23">
+            <a:extLst>
+              <a:ext uri="{FF2B5EF4-FFF2-40B4-BE49-F238E27FC236}">
+                <a16:creationId xmlns:a16="http://schemas.microsoft.com/office/drawing/2014/main" id="{A6A68505-7ED4-634C-87A7-09F823EF0371}"/>
+              </a:ext>
+            </a:extLst>
+          </p:cNvPr>
+          <p:cNvSpPr>
+            <a:spLocks noChangeShapeType="1"/>
+          </p:cNvSpPr>
+          <p:nvPr/>
+        </p:nvSpPr>
+        <p:spPr bwMode="auto">
+          <a:xfrm flipH="1">
+            <a:off x="3406761" y="1821178"/>
+            <a:ext cx="296418" cy="0"/>
+          </a:xfrm>
+          <a:prstGeom prst="line">
+            <a:avLst/>
+          </a:prstGeom>
+          <a:noFill/>
+          <a:ln w="9525">
+            <a:solidFill>
+              <a:srgbClr val="000000"/>
+            </a:solidFill>
+            <a:round/>
+            <a:headEnd/>
+            <a:tailEnd type="triangle" w="med" len="med"/>
+          </a:ln>
+          <a:extLst>
+            <a:ext uri="{909E8E84-426E-40DD-AFC4-6F175D3DCCD1}">
+              <a14:hiddenFill xmlns:a14="http://schemas.microsoft.com/office/drawing/2010/main">
+                <a:noFill/>
+              </a14:hiddenFill>
+            </a:ext>
+          </a:extLst>
+        </p:spPr>
+        <p:txBody>
+          <a:bodyPr vert="horz" wrap="square" lIns="91440" tIns="45720" rIns="91440" bIns="45720" numCol="1" anchor="t" anchorCtr="0" compatLnSpc="1">
+            <a:prstTxWarp prst="textNoShape">
+              <a:avLst/>
+            </a:prstTxWarp>
+          </a:bodyPr>
+          <a:lstStyle/>
+          <a:p>
+            <a:endParaRPr lang="en-US"/>
+          </a:p>
+        </p:txBody>
+      </p:sp>
+      <p:cxnSp>
+        <p:nvCxnSpPr>
+          <p:cNvPr id="55" name="Straight Connector 54">
+            <a:extLst>
+              <a:ext uri="{FF2B5EF4-FFF2-40B4-BE49-F238E27FC236}">
+                <a16:creationId xmlns:a16="http://schemas.microsoft.com/office/drawing/2014/main" id="{33469890-D0AB-E849-9A31-A6A1F5A2028F}"/>
+              </a:ext>
+            </a:extLst>
+          </p:cNvPr>
+          <p:cNvCxnSpPr>
+            <a:cxnSpLocks/>
+          </p:cNvCxnSpPr>
+          <p:nvPr/>
+        </p:nvCxnSpPr>
+        <p:spPr>
+          <a:xfrm>
+            <a:off x="3713570" y="1625213"/>
+            <a:ext cx="0" cy="195965"/>
+          </a:xfrm>
+          <a:prstGeom prst="line">
+            <a:avLst/>
+          </a:prstGeom>
+          <a:ln w="12700">
+            <a:solidFill>
+              <a:schemeClr val="tx1"/>
+            </a:solidFill>
+          </a:ln>
+        </p:spPr>
+        <p:style>
+          <a:lnRef idx="1">
+            <a:schemeClr val="accent1"/>
+          </a:lnRef>
+          <a:fillRef idx="0">
+            <a:schemeClr val="accent1"/>
+          </a:fillRef>
+          <a:effectRef idx="0">
+            <a:schemeClr val="accent1"/>
+          </a:effectRef>
+          <a:fontRef idx="minor">
+            <a:schemeClr val="tx1"/>
+          </a:fontRef>
+        </p:style>
+      </p:cxnSp>
+      <p:cxnSp>
+        <p:nvCxnSpPr>
+          <p:cNvPr id="56" name="Straight Connector 55">
+            <a:extLst>
+              <a:ext uri="{FF2B5EF4-FFF2-40B4-BE49-F238E27FC236}">
+                <a16:creationId xmlns:a16="http://schemas.microsoft.com/office/drawing/2014/main" id="{FA2A3901-91C8-A341-9B60-8DBE9EB1DAB4}"/>
+              </a:ext>
+            </a:extLst>
+          </p:cNvPr>
+          <p:cNvCxnSpPr>
+            <a:cxnSpLocks/>
+          </p:cNvCxnSpPr>
+          <p:nvPr/>
+        </p:nvCxnSpPr>
+        <p:spPr>
+          <a:xfrm flipH="1">
+            <a:off x="3389444" y="1634142"/>
+            <a:ext cx="324127" cy="0"/>
+          </a:xfrm>
+          <a:prstGeom prst="line">
+            <a:avLst/>
+          </a:prstGeom>
+          <a:ln w="12700">
+            <a:solidFill>
+              <a:schemeClr val="tx1"/>
+            </a:solidFill>
+          </a:ln>
+        </p:spPr>
+        <p:style>
+          <a:lnRef idx="1">
+            <a:schemeClr val="accent1"/>
+          </a:lnRef>
+          <a:fillRef idx="0">
+            <a:schemeClr val="accent1"/>
+          </a:fillRef>
+          <a:effectRef idx="0">
+            <a:schemeClr val="accent1"/>
+          </a:effectRef>
+          <a:fontRef idx="minor">
+            <a:schemeClr val="tx1"/>
+          </a:fontRef>
+        </p:style>
+      </p:cxnSp>
+      <p:sp>
+        <p:nvSpPr>
+          <p:cNvPr id="58" name="Line 23">
+            <a:extLst>
+              <a:ext uri="{FF2B5EF4-FFF2-40B4-BE49-F238E27FC236}">
+                <a16:creationId xmlns:a16="http://schemas.microsoft.com/office/drawing/2014/main" id="{B3E2E262-2CB8-9641-A726-B1A0376B394D}"/>
+              </a:ext>
+            </a:extLst>
+          </p:cNvPr>
+          <p:cNvSpPr>
+            <a:spLocks noChangeShapeType="1"/>
+          </p:cNvSpPr>
+          <p:nvPr/>
+        </p:nvSpPr>
+        <p:spPr bwMode="auto">
+          <a:xfrm flipH="1">
+            <a:off x="3434467" y="2915691"/>
+            <a:ext cx="296418" cy="0"/>
+          </a:xfrm>
+          <a:prstGeom prst="line">
+            <a:avLst/>
+          </a:prstGeom>
+          <a:noFill/>
+          <a:ln w="9525">
+            <a:solidFill>
+              <a:srgbClr val="000000"/>
+            </a:solidFill>
+            <a:round/>
+            <a:headEnd/>
+            <a:tailEnd type="triangle" w="med" len="med"/>
+          </a:ln>
+          <a:extLst>
+            <a:ext uri="{909E8E84-426E-40DD-AFC4-6F175D3DCCD1}">
+              <a14:hiddenFill xmlns:a14="http://schemas.microsoft.com/office/drawing/2010/main">
+                <a:noFill/>
+              </a14:hiddenFill>
+            </a:ext>
+          </a:extLst>
+        </p:spPr>
+        <p:txBody>
+          <a:bodyPr vert="horz" wrap="square" lIns="91440" tIns="45720" rIns="91440" bIns="45720" numCol="1" anchor="t" anchorCtr="0" compatLnSpc="1">
+            <a:prstTxWarp prst="textNoShape">
+              <a:avLst/>
+            </a:prstTxWarp>
+          </a:bodyPr>
+          <a:lstStyle/>
+          <a:p>
+            <a:endParaRPr lang="en-US"/>
+          </a:p>
+        </p:txBody>
+      </p:sp>
+      <p:cxnSp>
+        <p:nvCxnSpPr>
+          <p:cNvPr id="59" name="Straight Connector 58">
+            <a:extLst>
+              <a:ext uri="{FF2B5EF4-FFF2-40B4-BE49-F238E27FC236}">
+                <a16:creationId xmlns:a16="http://schemas.microsoft.com/office/drawing/2014/main" id="{2048D09A-88D2-2D42-8B81-60A4BCC0C6E3}"/>
+              </a:ext>
+            </a:extLst>
+          </p:cNvPr>
+          <p:cNvCxnSpPr>
+            <a:cxnSpLocks/>
+          </p:cNvCxnSpPr>
+          <p:nvPr/>
+        </p:nvCxnSpPr>
+        <p:spPr>
+          <a:xfrm>
+            <a:off x="3741276" y="2719726"/>
+            <a:ext cx="0" cy="195965"/>
+          </a:xfrm>
+          <a:prstGeom prst="line">
+            <a:avLst/>
+          </a:prstGeom>
+          <a:ln w="12700">
+            <a:solidFill>
+              <a:schemeClr val="tx1"/>
+            </a:solidFill>
+          </a:ln>
+        </p:spPr>
+        <p:style>
+          <a:lnRef idx="1">
+            <a:schemeClr val="accent1"/>
+          </a:lnRef>
+          <a:fillRef idx="0">
+            <a:schemeClr val="accent1"/>
+          </a:fillRef>
+          <a:effectRef idx="0">
+            <a:schemeClr val="accent1"/>
+          </a:effectRef>
+          <a:fontRef idx="minor">
+            <a:schemeClr val="tx1"/>
+          </a:fontRef>
+        </p:style>
+      </p:cxnSp>
+      <p:cxnSp>
+        <p:nvCxnSpPr>
+          <p:cNvPr id="60" name="Straight Connector 59">
+            <a:extLst>
+              <a:ext uri="{FF2B5EF4-FFF2-40B4-BE49-F238E27FC236}">
+                <a16:creationId xmlns:a16="http://schemas.microsoft.com/office/drawing/2014/main" id="{531657A7-8207-4548-9707-AB30F2A0539C}"/>
+              </a:ext>
+            </a:extLst>
+          </p:cNvPr>
+          <p:cNvCxnSpPr>
+            <a:cxnSpLocks/>
+          </p:cNvCxnSpPr>
+          <p:nvPr/>
+        </p:nvCxnSpPr>
+        <p:spPr>
+          <a:xfrm flipH="1">
+            <a:off x="3417150" y="2728655"/>
+            <a:ext cx="324127" cy="0"/>
+          </a:xfrm>
+          <a:prstGeom prst="line">
+            <a:avLst/>
+          </a:prstGeom>
+          <a:ln w="12700">
+            <a:solidFill>
+              <a:schemeClr val="tx1"/>
+            </a:solidFill>
+          </a:ln>
+        </p:spPr>
+        <p:style>
+          <a:lnRef idx="1">
+            <a:schemeClr val="accent1"/>
+          </a:lnRef>
+          <a:fillRef idx="0">
+            <a:schemeClr val="accent1"/>
+          </a:fillRef>
+          <a:effectRef idx="0">
+            <a:schemeClr val="accent1"/>
+          </a:effectRef>
+          <a:fontRef idx="minor">
+            <a:schemeClr val="tx1"/>
+          </a:fontRef>
+        </p:style>
+      </p:cxnSp>
     </p:spTree>
     <p:extLst>
       <p:ext uri="{BB962C8B-B14F-4D97-AF65-F5344CB8AC3E}">
